--- a/docs/Преза.pptx
+++ b/docs/Преза.pptx
@@ -3984,12 +3984,54 @@
           <a:chExt cx="0" cy="0"/>
         </a:xfrm>
       </p:grpSpPr>
-      <p:sp useBgFill="1">
-        <p:nvSpPr>
-          <p:cNvPr id="41" name="Rectangle 40">
-            <a:extLst>
-              <a:ext uri="{FF2B5EF4-FFF2-40B4-BE49-F238E27FC236}">
-                <a16:creationId xmlns:a16="http://schemas.microsoft.com/office/drawing/2014/main" id="{91DC6ABD-215C-4EA8-A483-CEF5B99AB385}"/>
+      <p:sp>
+        <p:nvSpPr>
+          <p:cNvPr id="2" name="Заголовок 1">
+            <a:extLst>
+              <a:ext uri="{FF2B5EF4-FFF2-40B4-BE49-F238E27FC236}">
+                <a16:creationId xmlns:a16="http://schemas.microsoft.com/office/drawing/2014/main" id="{7A47AEE1-F189-11B5-94C9-0F70AEB09323}"/>
+              </a:ext>
+            </a:extLst>
+          </p:cNvPr>
+          <p:cNvSpPr>
+            <a:spLocks noGrp="1"/>
+          </p:cNvSpPr>
+          <p:nvPr>
+            <p:ph type="title"/>
+          </p:nvPr>
+        </p:nvSpPr>
+        <p:spPr>
+          <a:xfrm>
+            <a:off x="762001" y="5074024"/>
+            <a:ext cx="10109199" cy="598032"/>
+          </a:xfrm>
+        </p:spPr>
+        <p:txBody>
+          <a:bodyPr vert="horz" lIns="91440" tIns="45720" rIns="91440" bIns="45720" rtlCol="0" anchor="ctr">
+            <a:normAutofit/>
+          </a:bodyPr>
+          <a:lstStyle/>
+          <a:p>
+            <a:r>
+              <a:rPr lang="en-US" sz="3600" kern="1200">
+                <a:solidFill>
+                  <a:schemeClr val="tx1"/>
+                </a:solidFill>
+                <a:latin typeface="+mj-lt"/>
+                <a:ea typeface="+mj-ea"/>
+                <a:cs typeface="+mj-cs"/>
+              </a:rPr>
+              <a:t>Демонстрация</a:t>
+            </a:r>
+          </a:p>
+        </p:txBody>
+      </p:sp>
+      <p:sp>
+        <p:nvSpPr>
+          <p:cNvPr id="52" name="Rectangle 51">
+            <a:extLst>
+              <a:ext uri="{FF2B5EF4-FFF2-40B4-BE49-F238E27FC236}">
+                <a16:creationId xmlns:a16="http://schemas.microsoft.com/office/drawing/2014/main" id="{5E395AE0-8789-FAD6-A987-32E65C185100}"/>
               </a:ext>
               <a:ext uri="{C183D7F6-B498-43B3-948B-1728B52AA6E4}">
                 <adec:decorative xmlns:adec="http://schemas.microsoft.com/office/drawing/2017/decorative" val="1"/>
@@ -4009,12 +4051,18 @@
         </p:nvSpPr>
         <p:spPr>
           <a:xfrm>
-            <a:off x="0" y="0"/>
-            <a:ext cx="12191999" cy="6857365"/>
+            <a:off x="1" y="1"/>
+            <a:ext cx="12192000" cy="4390253"/>
           </a:xfrm>
           <a:prstGeom prst="rect">
             <a:avLst/>
           </a:prstGeom>
+          <a:solidFill>
+            <a:schemeClr val="bg1">
+              <a:lumMod val="95000"/>
+              <a:alpha val="65000"/>
+            </a:schemeClr>
+          </a:solidFill>
           <a:ln>
             <a:noFill/>
           </a:ln>
@@ -4044,63 +4092,51 @@
           </a:p>
         </p:txBody>
       </p:sp>
-      <p:sp>
-        <p:nvSpPr>
-          <p:cNvPr id="2" name="Заголовок 1">
-            <a:extLst>
-              <a:ext uri="{FF2B5EF4-FFF2-40B4-BE49-F238E27FC236}">
-                <a16:creationId xmlns:a16="http://schemas.microsoft.com/office/drawing/2014/main" id="{7A47AEE1-F189-11B5-94C9-0F70AEB09323}"/>
-              </a:ext>
-            </a:extLst>
-          </p:cNvPr>
-          <p:cNvSpPr>
-            <a:spLocks noGrp="1"/>
-          </p:cNvSpPr>
-          <p:nvPr>
-            <p:ph type="title"/>
-          </p:nvPr>
-        </p:nvSpPr>
+      <p:pic>
+        <p:nvPicPr>
+          <p:cNvPr id="4" name="Рисунок 3">
+            <a:extLst>
+              <a:ext uri="{FF2B5EF4-FFF2-40B4-BE49-F238E27FC236}">
+                <a16:creationId xmlns:a16="http://schemas.microsoft.com/office/drawing/2014/main" id="{5CE8EE5A-DE77-1F1C-57F5-F19390F7B12D}"/>
+              </a:ext>
+            </a:extLst>
+          </p:cNvPr>
+          <p:cNvPicPr>
+            <a:picLocks noChangeAspect="1"/>
+          </p:cNvPicPr>
+          <p:nvPr/>
+        </p:nvPicPr>
+        <p:blipFill>
+          <a:blip r:embed="rId2"/>
+          <a:stretch>
+            <a:fillRect/>
+          </a:stretch>
+        </p:blipFill>
         <p:spPr>
           <a:xfrm>
-            <a:off x="599609" y="679731"/>
-            <a:ext cx="4171994" cy="3736540"/>
-          </a:xfrm>
+            <a:off x="1192726" y="496960"/>
+            <a:ext cx="9833490" cy="3392553"/>
+          </a:xfrm>
+          <a:prstGeom prst="rect">
+            <a:avLst/>
+          </a:prstGeom>
         </p:spPr>
-        <p:txBody>
-          <a:bodyPr vert="horz" lIns="91440" tIns="45720" rIns="91440" bIns="45720" rtlCol="0" anchor="b">
-            <a:normAutofit/>
-          </a:bodyPr>
-          <a:lstStyle/>
-          <a:p>
-            <a:r>
-              <a:rPr lang="en-US" sz="4700" kern="1200">
-                <a:solidFill>
-                  <a:schemeClr val="tx1"/>
-                </a:solidFill>
-                <a:latin typeface="+mj-lt"/>
-                <a:ea typeface="+mj-ea"/>
-                <a:cs typeface="+mj-cs"/>
-              </a:rPr>
-              <a:t>Демонстрация</a:t>
-            </a:r>
-          </a:p>
-        </p:txBody>
-      </p:sp>
-      <p:grpSp>
-        <p:nvGrpSpPr>
-          <p:cNvPr id="43" name="Group 42">
-            <a:extLst>
-              <a:ext uri="{FF2B5EF4-FFF2-40B4-BE49-F238E27FC236}">
-                <a16:creationId xmlns:a16="http://schemas.microsoft.com/office/drawing/2014/main" id="{3AF6A671-C637-4547-85F4-51B6D1881399}"/>
+      </p:pic>
+      <p:cxnSp>
+        <p:nvCxnSpPr>
+          <p:cNvPr id="54" name="Straight Connector 53">
+            <a:extLst>
+              <a:ext uri="{FF2B5EF4-FFF2-40B4-BE49-F238E27FC236}">
+                <a16:creationId xmlns:a16="http://schemas.microsoft.com/office/drawing/2014/main" id="{7667AA61-5C27-F30F-D229-06CBE5709F33}"/>
               </a:ext>
               <a:ext uri="{C183D7F6-B498-43B3-948B-1728B52AA6E4}">
                 <adec:decorative xmlns:adec="http://schemas.microsoft.com/office/drawing/2017/decorative" val="1"/>
               </a:ext>
             </a:extLst>
           </p:cNvPr>
-          <p:cNvGrpSpPr>
-            <a:grpSpLocks noGrp="1" noUngrp="1" noRot="1" noChangeAspect="1" noMove="1" noResize="1"/>
-          </p:cNvGrpSpPr>
+          <p:cNvCxnSpPr>
+            <a:cxnSpLocks noGrp="1" noRot="1" noChangeAspect="1" noMove="1" noResize="1" noEditPoints="1" noAdjustHandles="1" noChangeArrowheads="1" noChangeShapeType="1"/>
+          </p:cNvCxnSpPr>
           <p:nvPr>
             <p:extLst>
               <p:ext uri="{386F3935-93C4-4BCD-93E2-E3B085C9AB24}">
@@ -4108,199 +4144,36 @@
               </p:ext>
             </p:extLst>
           </p:nvPr>
-        </p:nvGrpSpPr>
-        <p:grpSpPr>
+        </p:nvCxnSpPr>
+        <p:spPr>
           <a:xfrm>
-            <a:off x="9416432" y="1"/>
-            <a:ext cx="2446384" cy="5777808"/>
-            <a:chOff x="329184" y="1"/>
-            <a:chExt cx="524256" cy="5777808"/>
-          </a:xfrm>
-        </p:grpSpPr>
-        <p:cxnSp>
-          <p:nvCxnSpPr>
-            <p:cNvPr id="44" name="Straight Connector 43">
-              <a:extLst>
-                <a:ext uri="{FF2B5EF4-FFF2-40B4-BE49-F238E27FC236}">
-                  <a16:creationId xmlns:a16="http://schemas.microsoft.com/office/drawing/2014/main" id="{C575CF26-3D3C-4C5A-A2B7-00432016EF62}"/>
-                </a:ext>
-                <a:ext uri="{C183D7F6-B498-43B3-948B-1728B52AA6E4}">
-                  <adec:decorative xmlns:adec="http://schemas.microsoft.com/office/drawing/2017/decorative" val="1"/>
-                </a:ext>
-              </a:extLst>
-            </p:cNvPr>
-            <p:cNvCxnSpPr>
-              <a:cxnSpLocks/>
-            </p:cNvCxnSpPr>
-            <p:nvPr>
-              <p:extLst>
-                <p:ext uri="{386F3935-93C4-4BCD-93E2-E3B085C9AB24}">
-                  <p16:designElem xmlns:p16="http://schemas.microsoft.com/office/powerpoint/2015/main" val="1"/>
-                </p:ext>
-              </p:extLst>
-            </p:nvPr>
-          </p:nvCxnSpPr>
-          <p:spPr>
-            <a:xfrm flipH="1">
-              <a:off x="329184" y="5777809"/>
-              <a:ext cx="521208" cy="0"/>
-            </a:xfrm>
-            <a:prstGeom prst="line">
-              <a:avLst/>
-            </a:prstGeom>
-            <a:ln w="152400">
-              <a:solidFill>
-                <a:schemeClr val="accent4"/>
-              </a:solidFill>
-            </a:ln>
-          </p:spPr>
-          <p:style>
-            <a:lnRef idx="1">
-              <a:schemeClr val="accent1"/>
-            </a:lnRef>
-            <a:fillRef idx="0">
-              <a:schemeClr val="accent1"/>
-            </a:fillRef>
-            <a:effectRef idx="0">
-              <a:schemeClr val="accent1"/>
-            </a:effectRef>
-            <a:fontRef idx="minor">
-              <a:schemeClr val="tx1"/>
-            </a:fontRef>
-          </p:style>
-        </p:cxnSp>
-        <p:sp>
-          <p:nvSpPr>
-            <p:cNvPr id="45" name="Rectangle 44">
-              <a:extLst>
-                <a:ext uri="{FF2B5EF4-FFF2-40B4-BE49-F238E27FC236}">
-                  <a16:creationId xmlns:a16="http://schemas.microsoft.com/office/drawing/2014/main" id="{99413ED5-9ED4-4772-BCE4-2BCAE6B12E35}"/>
-                </a:ext>
-                <a:ext uri="{C183D7F6-B498-43B3-948B-1728B52AA6E4}">
-                  <adec:decorative xmlns:adec="http://schemas.microsoft.com/office/drawing/2017/decorative" val="1"/>
-                </a:ext>
-              </a:extLst>
-            </p:cNvPr>
-            <p:cNvSpPr/>
-            <p:nvPr>
-              <p:extLst>
-                <p:ext uri="{386F3935-93C4-4BCD-93E2-E3B085C9AB24}">
-                  <p16:designElem xmlns:p16="http://schemas.microsoft.com/office/powerpoint/2015/main" val="1"/>
-                </p:ext>
-              </p:extLst>
-            </p:nvPr>
-          </p:nvSpPr>
-          <p:spPr>
-            <a:xfrm>
-              <a:off x="329184" y="1"/>
-              <a:ext cx="524256" cy="5532119"/>
-            </a:xfrm>
-            <a:prstGeom prst="rect">
-              <a:avLst/>
-            </a:prstGeom>
+            <a:off x="865141" y="4811517"/>
+            <a:ext cx="736939" cy="0"/>
+          </a:xfrm>
+          <a:prstGeom prst="line">
+            <a:avLst/>
+          </a:prstGeom>
+          <a:ln w="57150">
             <a:solidFill>
               <a:schemeClr val="accent4"/>
             </a:solidFill>
-            <a:ln>
-              <a:noFill/>
-            </a:ln>
-          </p:spPr>
-          <p:style>
-            <a:lnRef idx="2">
-              <a:schemeClr val="accent1">
-                <a:shade val="50000"/>
-              </a:schemeClr>
-            </a:lnRef>
-            <a:fillRef idx="1">
-              <a:schemeClr val="accent1"/>
-            </a:fillRef>
-            <a:effectRef idx="0">
-              <a:schemeClr val="accent1"/>
-            </a:effectRef>
-            <a:fontRef idx="minor">
-              <a:schemeClr val="lt1"/>
-            </a:fontRef>
-          </p:style>
-          <p:txBody>
-            <a:bodyPr rtlCol="0" anchor="ctr"/>
-            <a:lstStyle/>
-            <a:p>
-              <a:pPr algn="ctr"/>
-              <a:endParaRPr lang="en-US"/>
-            </a:p>
-          </p:txBody>
-        </p:sp>
-      </p:grpSp>
-      <p:sp>
-        <p:nvSpPr>
-          <p:cNvPr id="47" name="Rectangle 46">
-            <a:extLst>
-              <a:ext uri="{FF2B5EF4-FFF2-40B4-BE49-F238E27FC236}">
-                <a16:creationId xmlns:a16="http://schemas.microsoft.com/office/drawing/2014/main" id="{04357C93-F0CB-4A1C-8F77-4E9063789819}"/>
-              </a:ext>
-              <a:ext uri="{C183D7F6-B498-43B3-948B-1728B52AA6E4}">
-                <adec:decorative xmlns:adec="http://schemas.microsoft.com/office/drawing/2017/decorative" val="1"/>
-              </a:ext>
-            </a:extLst>
-          </p:cNvPr>
-          <p:cNvSpPr>
-            <a:spLocks noGrp="1" noRot="1" noChangeAspect="1" noMove="1" noResize="1" noEditPoints="1" noAdjustHandles="1" noChangeArrowheads="1" noChangeShapeType="1" noTextEdit="1"/>
-          </p:cNvSpPr>
-          <p:nvPr>
-            <p:extLst>
-              <p:ext uri="{386F3935-93C4-4BCD-93E2-E3B085C9AB24}">
-                <p16:designElem xmlns:p16="http://schemas.microsoft.com/office/powerpoint/2015/main" val="1"/>
-              </p:ext>
-            </p:extLst>
-          </p:nvPr>
-        </p:nvSpPr>
-        <p:spPr>
-          <a:xfrm>
-            <a:off x="5386598" y="269324"/>
-            <a:ext cx="6116779" cy="6208776"/>
-          </a:xfrm>
-          <a:prstGeom prst="rect">
-            <a:avLst/>
-          </a:prstGeom>
-          <a:solidFill>
-            <a:schemeClr val="bg1"/>
-          </a:solidFill>
-          <a:ln>
-            <a:noFill/>
           </a:ln>
-          <a:effectLst>
-            <a:outerShdw blurRad="139700" dist="127000" dir="5400000" algn="t" rotWithShape="0">
-              <a:prstClr val="black">
-                <a:alpha val="15000"/>
-              </a:prstClr>
-            </a:outerShdw>
-          </a:effectLst>
         </p:spPr>
         <p:style>
-          <a:lnRef idx="2">
-            <a:schemeClr val="accent1">
-              <a:shade val="50000"/>
-            </a:schemeClr>
+          <a:lnRef idx="1">
+            <a:schemeClr val="accent1"/>
           </a:lnRef>
-          <a:fillRef idx="1">
+          <a:fillRef idx="0">
             <a:schemeClr val="accent1"/>
           </a:fillRef>
           <a:effectRef idx="0">
             <a:schemeClr val="accent1"/>
           </a:effectRef>
           <a:fontRef idx="minor">
-            <a:schemeClr val="lt1"/>
+            <a:schemeClr val="tx1"/>
           </a:fontRef>
         </p:style>
-        <p:txBody>
-          <a:bodyPr rtlCol="0" anchor="ctr"/>
-          <a:lstStyle/>
-          <a:p>
-            <a:pPr algn="ctr"/>
-            <a:endParaRPr lang="en-US"/>
-          </a:p>
-        </p:txBody>
-      </p:sp>
+      </p:cxnSp>
     </p:spTree>
     <p:extLst>
       <p:ext uri="{BB962C8B-B14F-4D97-AF65-F5344CB8AC3E}">

--- a/docs/Преза.pptx
+++ b/docs/Преза.pptx
@@ -4174,6 +4174,35 @@
           </a:fontRef>
         </p:style>
       </p:cxnSp>
+      <p:pic>
+        <p:nvPicPr>
+          <p:cNvPr id="5" name="Рисунок 4">
+            <a:extLst>
+              <a:ext uri="{FF2B5EF4-FFF2-40B4-BE49-F238E27FC236}">
+                <a16:creationId xmlns:a16="http://schemas.microsoft.com/office/drawing/2014/main" id="{A7FBF3DA-C551-167F-0AAB-C94A426004FC}"/>
+              </a:ext>
+            </a:extLst>
+          </p:cNvPr>
+          <p:cNvPicPr>
+            <a:picLocks noChangeAspect="1"/>
+          </p:cNvPicPr>
+          <p:nvPr/>
+        </p:nvPicPr>
+        <p:blipFill rotWithShape="1">
+          <a:blip r:embed="rId3"/>
+          <a:srcRect b="42447"/>
+          <a:stretch/>
+        </p:blipFill>
+        <p:spPr>
+          <a:xfrm>
+            <a:off x="1165784" y="438847"/>
+            <a:ext cx="9986860" cy="3592379"/>
+          </a:xfrm>
+          <a:prstGeom prst="rect">
+            <a:avLst/>
+          </a:prstGeom>
+        </p:spPr>
+      </p:pic>
     </p:spTree>
     <p:extLst>
       <p:ext uri="{BB962C8B-B14F-4D97-AF65-F5344CB8AC3E}">
@@ -4214,10 +4243,10 @@
       </p:grpSpPr>
       <p:sp useBgFill="1">
         <p:nvSpPr>
-          <p:cNvPr id="41" name="Rectangle 40">
-            <a:extLst>
-              <a:ext uri="{FF2B5EF4-FFF2-40B4-BE49-F238E27FC236}">
-                <a16:creationId xmlns:a16="http://schemas.microsoft.com/office/drawing/2014/main" id="{91DC6ABD-215C-4EA8-A483-CEF5B99AB385}"/>
+          <p:cNvPr id="52" name="Slide Background">
+            <a:extLst>
+              <a:ext uri="{FF2B5EF4-FFF2-40B4-BE49-F238E27FC236}">
+                <a16:creationId xmlns:a16="http://schemas.microsoft.com/office/drawing/2014/main" id="{7B1AB9FE-36F5-4FD1-9850-DB5C5AD4828F}"/>
               </a:ext>
               <a:ext uri="{C183D7F6-B498-43B3-948B-1728B52AA6E4}">
                 <adec:decorative xmlns:adec="http://schemas.microsoft.com/office/drawing/2017/decorative" val="1"/>
@@ -4238,7 +4267,7 @@
         <p:spPr>
           <a:xfrm>
             <a:off x="0" y="0"/>
-            <a:ext cx="12191999" cy="6857365"/>
+            <a:ext cx="12192000" cy="6858000"/>
           </a:xfrm>
           <a:prstGeom prst="rect">
             <a:avLst/>
@@ -4272,63 +4301,57 @@
           </a:p>
         </p:txBody>
       </p:sp>
-      <p:sp>
-        <p:nvSpPr>
-          <p:cNvPr id="2" name="Заголовок 1">
-            <a:extLst>
-              <a:ext uri="{FF2B5EF4-FFF2-40B4-BE49-F238E27FC236}">
-                <a16:creationId xmlns:a16="http://schemas.microsoft.com/office/drawing/2014/main" id="{7A47AEE1-F189-11B5-94C9-0F70AEB09323}"/>
-              </a:ext>
-            </a:extLst>
-          </p:cNvPr>
-          <p:cNvSpPr>
-            <a:spLocks noGrp="1"/>
-          </p:cNvSpPr>
-          <p:nvPr>
-            <p:ph type="title"/>
-          </p:nvPr>
-        </p:nvSpPr>
+      <p:pic>
+        <p:nvPicPr>
+          <p:cNvPr id="4" name="Рисунок 3" descr="Изображение выглядит как текст, снимок экрана, программное обеспечение, дизайн&#10;&#10;Автоматически созданное описание">
+            <a:extLst>
+              <a:ext uri="{FF2B5EF4-FFF2-40B4-BE49-F238E27FC236}">
+                <a16:creationId xmlns:a16="http://schemas.microsoft.com/office/drawing/2014/main" id="{37E6D1F8-9BFD-8C12-1484-7960D9048158}"/>
+              </a:ext>
+            </a:extLst>
+          </p:cNvPr>
+          <p:cNvPicPr>
+            <a:picLocks noChangeAspect="1"/>
+          </p:cNvPicPr>
+          <p:nvPr/>
+        </p:nvPicPr>
+        <p:blipFill rotWithShape="1">
+          <a:blip r:embed="rId2"/>
+          <a:srcRect t="18516" b="4916"/>
+          <a:stretch/>
+        </p:blipFill>
         <p:spPr>
           <a:xfrm>
-            <a:off x="599609" y="679731"/>
-            <a:ext cx="4171994" cy="3736540"/>
-          </a:xfrm>
-        </p:spPr>
-        <p:txBody>
-          <a:bodyPr vert="horz" lIns="91440" tIns="45720" rIns="91440" bIns="45720" rtlCol="0" anchor="b">
-            <a:normAutofit/>
-          </a:bodyPr>
-          <a:lstStyle/>
-          <a:p>
-            <a:r>
-              <a:rPr lang="en-US" sz="4700" kern="1200">
-                <a:solidFill>
-                  <a:schemeClr val="tx1"/>
-                </a:solidFill>
-                <a:latin typeface="+mj-lt"/>
-                <a:ea typeface="+mj-ea"/>
-                <a:cs typeface="+mj-cs"/>
-              </a:rPr>
-              <a:t>Демонстрация</a:t>
-            </a:r>
-          </a:p>
-        </p:txBody>
-      </p:sp>
-      <p:grpSp>
-        <p:nvGrpSpPr>
-          <p:cNvPr id="43" name="Group 42">
-            <a:extLst>
-              <a:ext uri="{FF2B5EF4-FFF2-40B4-BE49-F238E27FC236}">
-                <a16:creationId xmlns:a16="http://schemas.microsoft.com/office/drawing/2014/main" id="{3AF6A671-C637-4547-85F4-51B6D1881399}"/>
+            <a:off x="0" y="-88490"/>
+            <a:ext cx="12191979" cy="5834561"/>
+          </a:xfrm>
+          <a:prstGeom prst="rect">
+            <a:avLst/>
+          </a:prstGeom>
+          <a:effectLst>
+            <a:outerShdw blurRad="596900" dist="330200" dir="8820000" sx="87000" sy="87000" algn="ctr" rotWithShape="0">
+              <a:srgbClr val="000000">
+                <a:alpha val="29000"/>
+              </a:srgbClr>
+            </a:outerShdw>
+          </a:effectLst>
+        </p:spPr>
+      </p:pic>
+      <p:sp useBgFill="1">
+        <p:nvSpPr>
+          <p:cNvPr id="54" name="Rectangle 53">
+            <a:extLst>
+              <a:ext uri="{FF2B5EF4-FFF2-40B4-BE49-F238E27FC236}">
+                <a16:creationId xmlns:a16="http://schemas.microsoft.com/office/drawing/2014/main" id="{F489C2E0-4895-4B72-85EA-7EE9FAFFDC7E}"/>
               </a:ext>
               <a:ext uri="{C183D7F6-B498-43B3-948B-1728B52AA6E4}">
                 <adec:decorative xmlns:adec="http://schemas.microsoft.com/office/drawing/2017/decorative" val="1"/>
               </a:ext>
             </a:extLst>
           </p:cNvPr>
-          <p:cNvGrpSpPr>
-            <a:grpSpLocks noGrp="1" noUngrp="1" noRot="1" noChangeAspect="1" noMove="1" noResize="1"/>
-          </p:cNvGrpSpPr>
+          <p:cNvSpPr>
+            <a:spLocks noGrp="1" noRot="1" noChangeAspect="1" noMove="1" noResize="1" noEditPoints="1" noAdjustHandles="1" noChangeArrowheads="1" noChangeShapeType="1" noTextEdit="1"/>
+          </p:cNvSpPr>
           <p:nvPr>
             <p:extLst>
               <p:ext uri="{386F3935-93C4-4BCD-93E2-E3B085C9AB24}">
@@ -4336,171 +4359,23 @@
               </p:ext>
             </p:extLst>
           </p:nvPr>
-        </p:nvGrpSpPr>
-        <p:grpSpPr>
-          <a:xfrm>
-            <a:off x="9416432" y="1"/>
-            <a:ext cx="2446384" cy="5777808"/>
-            <a:chOff x="329184" y="1"/>
-            <a:chExt cx="524256" cy="5777808"/>
-          </a:xfrm>
-        </p:grpSpPr>
-        <p:cxnSp>
-          <p:nvCxnSpPr>
-            <p:cNvPr id="44" name="Straight Connector 43">
-              <a:extLst>
-                <a:ext uri="{FF2B5EF4-FFF2-40B4-BE49-F238E27FC236}">
-                  <a16:creationId xmlns:a16="http://schemas.microsoft.com/office/drawing/2014/main" id="{C575CF26-3D3C-4C5A-A2B7-00432016EF62}"/>
-                </a:ext>
-                <a:ext uri="{C183D7F6-B498-43B3-948B-1728B52AA6E4}">
-                  <adec:decorative xmlns:adec="http://schemas.microsoft.com/office/drawing/2017/decorative" val="1"/>
-                </a:ext>
-              </a:extLst>
-            </p:cNvPr>
-            <p:cNvCxnSpPr>
-              <a:cxnSpLocks/>
-            </p:cNvCxnSpPr>
-            <p:nvPr>
-              <p:extLst>
-                <p:ext uri="{386F3935-93C4-4BCD-93E2-E3B085C9AB24}">
-                  <p16:designElem xmlns:p16="http://schemas.microsoft.com/office/powerpoint/2015/main" val="1"/>
-                </p:ext>
-              </p:extLst>
-            </p:nvPr>
-          </p:nvCxnSpPr>
-          <p:spPr>
-            <a:xfrm flipH="1">
-              <a:off x="329184" y="5777809"/>
-              <a:ext cx="521208" cy="0"/>
-            </a:xfrm>
-            <a:prstGeom prst="line">
-              <a:avLst/>
-            </a:prstGeom>
-            <a:ln w="152400">
-              <a:solidFill>
-                <a:schemeClr val="accent4"/>
-              </a:solidFill>
-            </a:ln>
-          </p:spPr>
-          <p:style>
-            <a:lnRef idx="1">
-              <a:schemeClr val="accent1"/>
-            </a:lnRef>
-            <a:fillRef idx="0">
-              <a:schemeClr val="accent1"/>
-            </a:fillRef>
-            <a:effectRef idx="0">
-              <a:schemeClr val="accent1"/>
-            </a:effectRef>
-            <a:fontRef idx="minor">
-              <a:schemeClr val="tx1"/>
-            </a:fontRef>
-          </p:style>
-        </p:cxnSp>
-        <p:sp>
-          <p:nvSpPr>
-            <p:cNvPr id="45" name="Rectangle 44">
-              <a:extLst>
-                <a:ext uri="{FF2B5EF4-FFF2-40B4-BE49-F238E27FC236}">
-                  <a16:creationId xmlns:a16="http://schemas.microsoft.com/office/drawing/2014/main" id="{99413ED5-9ED4-4772-BCE4-2BCAE6B12E35}"/>
-                </a:ext>
-                <a:ext uri="{C183D7F6-B498-43B3-948B-1728B52AA6E4}">
-                  <adec:decorative xmlns:adec="http://schemas.microsoft.com/office/drawing/2017/decorative" val="1"/>
-                </a:ext>
-              </a:extLst>
-            </p:cNvPr>
-            <p:cNvSpPr/>
-            <p:nvPr>
-              <p:extLst>
-                <p:ext uri="{386F3935-93C4-4BCD-93E2-E3B085C9AB24}">
-                  <p16:designElem xmlns:p16="http://schemas.microsoft.com/office/powerpoint/2015/main" val="1"/>
-                </p:ext>
-              </p:extLst>
-            </p:nvPr>
-          </p:nvSpPr>
-          <p:spPr>
-            <a:xfrm>
-              <a:off x="329184" y="1"/>
-              <a:ext cx="524256" cy="5532119"/>
-            </a:xfrm>
-            <a:prstGeom prst="rect">
-              <a:avLst/>
-            </a:prstGeom>
-            <a:solidFill>
-              <a:schemeClr val="accent4"/>
-            </a:solidFill>
-            <a:ln>
-              <a:noFill/>
-            </a:ln>
-          </p:spPr>
-          <p:style>
-            <a:lnRef idx="2">
-              <a:schemeClr val="accent1">
-                <a:shade val="50000"/>
-              </a:schemeClr>
-            </a:lnRef>
-            <a:fillRef idx="1">
-              <a:schemeClr val="accent1"/>
-            </a:fillRef>
-            <a:effectRef idx="0">
-              <a:schemeClr val="accent1"/>
-            </a:effectRef>
-            <a:fontRef idx="minor">
-              <a:schemeClr val="lt1"/>
-            </a:fontRef>
-          </p:style>
-          <p:txBody>
-            <a:bodyPr rtlCol="0" anchor="ctr"/>
-            <a:lstStyle/>
-            <a:p>
-              <a:pPr algn="ctr"/>
-              <a:endParaRPr lang="en-US"/>
-            </a:p>
-          </p:txBody>
-        </p:sp>
-      </p:grpSp>
-      <p:sp>
-        <p:nvSpPr>
-          <p:cNvPr id="47" name="Rectangle 46">
-            <a:extLst>
-              <a:ext uri="{FF2B5EF4-FFF2-40B4-BE49-F238E27FC236}">
-                <a16:creationId xmlns:a16="http://schemas.microsoft.com/office/drawing/2014/main" id="{04357C93-F0CB-4A1C-8F77-4E9063789819}"/>
-              </a:ext>
-              <a:ext uri="{C183D7F6-B498-43B3-948B-1728B52AA6E4}">
-                <adec:decorative xmlns:adec="http://schemas.microsoft.com/office/drawing/2017/decorative" val="1"/>
-              </a:ext>
-            </a:extLst>
-          </p:cNvPr>
-          <p:cNvSpPr>
-            <a:spLocks noGrp="1" noRot="1" noChangeAspect="1" noMove="1" noResize="1" noEditPoints="1" noAdjustHandles="1" noChangeArrowheads="1" noChangeShapeType="1" noTextEdit="1"/>
-          </p:cNvSpPr>
-          <p:nvPr>
-            <p:extLst>
-              <p:ext uri="{386F3935-93C4-4BCD-93E2-E3B085C9AB24}">
-                <p16:designElem xmlns:p16="http://schemas.microsoft.com/office/powerpoint/2015/main" val="1"/>
-              </p:ext>
-            </p:extLst>
-          </p:nvPr>
         </p:nvSpPr>
         <p:spPr>
           <a:xfrm>
-            <a:off x="5386598" y="269324"/>
-            <a:ext cx="6116779" cy="6208776"/>
+            <a:off x="0" y="5486402"/>
+            <a:ext cx="12192000" cy="1371598"/>
           </a:xfrm>
           <a:prstGeom prst="rect">
             <a:avLst/>
           </a:prstGeom>
-          <a:solidFill>
-            <a:schemeClr val="bg1"/>
-          </a:solidFill>
           <a:ln>
             <a:noFill/>
           </a:ln>
           <a:effectLst>
-            <a:outerShdw blurRad="139700" dist="127000" dir="5400000" algn="t" rotWithShape="0">
-              <a:prstClr val="black">
-                <a:alpha val="15000"/>
-              </a:prstClr>
+            <a:outerShdw blurRad="254000" dist="114300" dir="20340000" sx="89000" sy="89000" algn="t" rotWithShape="0">
+              <a:srgbClr val="000000">
+                <a:alpha val="30000"/>
+              </a:srgbClr>
             </a:outerShdw>
           </a:effectLst>
         </p:spPr>
@@ -4526,6 +4401,41 @@
           <a:p>
             <a:pPr algn="ctr"/>
             <a:endParaRPr lang="en-US"/>
+          </a:p>
+        </p:txBody>
+      </p:sp>
+      <p:sp>
+        <p:nvSpPr>
+          <p:cNvPr id="2" name="Заголовок 1">
+            <a:extLst>
+              <a:ext uri="{FF2B5EF4-FFF2-40B4-BE49-F238E27FC236}">
+                <a16:creationId xmlns:a16="http://schemas.microsoft.com/office/drawing/2014/main" id="{7A47AEE1-F189-11B5-94C9-0F70AEB09323}"/>
+              </a:ext>
+            </a:extLst>
+          </p:cNvPr>
+          <p:cNvSpPr>
+            <a:spLocks noGrp="1"/>
+          </p:cNvSpPr>
+          <p:nvPr>
+            <p:ph type="title"/>
+          </p:nvPr>
+        </p:nvSpPr>
+        <p:spPr>
+          <a:xfrm>
+            <a:off x="589556" y="5746071"/>
+            <a:ext cx="7015499" cy="852260"/>
+          </a:xfrm>
+        </p:spPr>
+        <p:txBody>
+          <a:bodyPr vert="horz" lIns="91440" tIns="45720" rIns="91440" bIns="45720" rtlCol="0" anchor="ctr">
+            <a:normAutofit/>
+          </a:bodyPr>
+          <a:lstStyle/>
+          <a:p>
+            <a:r>
+              <a:rPr lang="en-US" sz="3600"/>
+              <a:t>Демонстрация</a:t>
+            </a:r>
           </a:p>
         </p:txBody>
       </p:sp>
